--- a/Figure-4-3/Figure43/Figure43_blog.pptx
+++ b/Figure-4-3/Figure43/Figure43_blog.pptx
@@ -516,6 +516,126 @@
               <a:rPr/>
               <a:t>Title:</a:t>
             </a:r>
+            <a:r>
+              <a:rPr/>
+              <a:t> </a:t>
+            </a:r>
+            <a:r>
+              <a:rPr/>
+              <a:t>Those</a:t>
+            </a:r>
+            <a:r>
+              <a:rPr/>
+              <a:t> </a:t>
+            </a:r>
+            <a:r>
+              <a:rPr/>
+              <a:t>on</a:t>
+            </a:r>
+            <a:r>
+              <a:rPr/>
+              <a:t> </a:t>
+            </a:r>
+            <a:r>
+              <a:rPr/>
+              <a:t>high</a:t>
+            </a:r>
+            <a:r>
+              <a:rPr/>
+              <a:t> </a:t>
+            </a:r>
+            <a:r>
+              <a:rPr/>
+              <a:t>incomes</a:t>
+            </a:r>
+            <a:r>
+              <a:rPr/>
+              <a:t> </a:t>
+            </a:r>
+            <a:r>
+              <a:rPr/>
+              <a:t>make</a:t>
+            </a:r>
+            <a:r>
+              <a:rPr/>
+              <a:t> </a:t>
+            </a:r>
+            <a:r>
+              <a:rPr/>
+              <a:t>larger</a:t>
+            </a:r>
+            <a:r>
+              <a:rPr/>
+              <a:t> </a:t>
+            </a:r>
+            <a:r>
+              <a:rPr/>
+              <a:t>voluntary</a:t>
+            </a:r>
+            <a:r>
+              <a:rPr/>
+              <a:t> </a:t>
+            </a:r>
+            <a:r>
+              <a:rPr/>
+              <a:t>contributions,</a:t>
+            </a:r>
+            <a:r>
+              <a:rPr/>
+              <a:t> </a:t>
+            </a:r>
+            <a:r>
+              <a:rPr/>
+              <a:t>increasing</a:t>
+            </a:r>
+            <a:r>
+              <a:rPr/>
+              <a:t> </a:t>
+            </a:r>
+            <a:r>
+              <a:rPr/>
+              <a:t>the</a:t>
+            </a:r>
+            <a:r>
+              <a:rPr/>
+              <a:t> </a:t>
+            </a:r>
+            <a:r>
+              <a:rPr/>
+              <a:t>value</a:t>
+            </a:r>
+            <a:r>
+              <a:rPr/>
+              <a:t> </a:t>
+            </a:r>
+            <a:r>
+              <a:rPr/>
+              <a:t>of</a:t>
+            </a:r>
+            <a:r>
+              <a:rPr/>
+              <a:t> </a:t>
+            </a:r>
+            <a:r>
+              <a:rPr/>
+              <a:t>contributions</a:t>
+            </a:r>
+            <a:r>
+              <a:rPr/>
+              <a:t> </a:t>
+            </a:r>
+            <a:r>
+              <a:rPr/>
+              <a:t>tax</a:t>
+            </a:r>
+            <a:r>
+              <a:rPr/>
+              <a:t> </a:t>
+            </a:r>
+            <a:r>
+              <a:rPr/>
+              <a:t>breaks</a:t>
+            </a:r>
           </a:p>
           <a:p>
             <a:pPr lvl="0" marL="0" indent="0">
@@ -529,6 +649,548 @@
             <a:r>
               <a:rPr/>
               <a:t>Subtitle:</a:t>
+            </a:r>
+            <a:r>
+              <a:rPr/>
+              <a:t> </a:t>
+            </a:r>
+            <a:r>
+              <a:rPr/>
+              <a:t>Average</a:t>
+            </a:r>
+            <a:r>
+              <a:rPr/>
+              <a:t> </a:t>
+            </a:r>
+            <a:r>
+              <a:rPr/>
+              <a:t>superannuation</a:t>
+            </a:r>
+            <a:r>
+              <a:rPr/>
+              <a:t> </a:t>
+            </a:r>
+            <a:r>
+              <a:rPr/>
+              <a:t>contributions</a:t>
+            </a:r>
+            <a:r>
+              <a:rPr/>
+              <a:t> </a:t>
+            </a:r>
+            <a:r>
+              <a:rPr/>
+              <a:t>(2020-21)</a:t>
+            </a:r>
+          </a:p>
+          <a:p>
+            <a:pPr lvl="0" marL="0" indent="0">
+              <a:buNone/>
+            </a:pPr>
+          </a:p>
+          <a:p>
+            <a:pPr lvl="0" marL="0" indent="0">
+              <a:buNone/>
+            </a:pPr>
+            <a:r>
+              <a:rPr/>
+              <a:t>Notes:</a:t>
+            </a:r>
+            <a:r>
+              <a:rPr/>
+              <a:t> </a:t>
+            </a:r>
+            <a:r>
+              <a:rPr/>
+              <a:t>Projections</a:t>
+            </a:r>
+            <a:r>
+              <a:rPr/>
+              <a:t> </a:t>
+            </a:r>
+            <a:r>
+              <a:rPr/>
+              <a:t>to</a:t>
+            </a:r>
+            <a:r>
+              <a:rPr/>
+              <a:t> </a:t>
+            </a:r>
+            <a:r>
+              <a:rPr/>
+              <a:t>2020-21</a:t>
+            </a:r>
+            <a:r>
+              <a:rPr/>
+              <a:t> </a:t>
+            </a:r>
+            <a:r>
+              <a:rPr/>
+              <a:t>assume</a:t>
+            </a:r>
+            <a:r>
+              <a:rPr/>
+              <a:t> </a:t>
+            </a:r>
+            <a:r>
+              <a:rPr/>
+              <a:t>2%</a:t>
+            </a:r>
+            <a:r>
+              <a:rPr/>
+              <a:t> </a:t>
+            </a:r>
+            <a:r>
+              <a:rPr/>
+              <a:t>wage</a:t>
+            </a:r>
+            <a:r>
+              <a:rPr/>
+              <a:t> </a:t>
+            </a:r>
+            <a:r>
+              <a:rPr/>
+              <a:t>growth</a:t>
+            </a:r>
+            <a:r>
+              <a:rPr/>
+              <a:t> </a:t>
+            </a:r>
+            <a:r>
+              <a:rPr/>
+              <a:t>and</a:t>
+            </a:r>
+            <a:r>
+              <a:rPr/>
+              <a:t> </a:t>
+            </a:r>
+            <a:r>
+              <a:rPr/>
+              <a:t>0%</a:t>
+            </a:r>
+            <a:r>
+              <a:rPr/>
+              <a:t> </a:t>
+            </a:r>
+            <a:r>
+              <a:rPr/>
+              <a:t>growth</a:t>
+            </a:r>
+            <a:r>
+              <a:rPr/>
+              <a:t> </a:t>
+            </a:r>
+            <a:r>
+              <a:rPr/>
+              <a:t>in</a:t>
+            </a:r>
+            <a:r>
+              <a:rPr/>
+              <a:t> </a:t>
+            </a:r>
+            <a:r>
+              <a:rPr/>
+              <a:t>the</a:t>
+            </a:r>
+            <a:r>
+              <a:rPr/>
+              <a:t> </a:t>
+            </a:r>
+            <a:r>
+              <a:rPr/>
+              <a:t>number</a:t>
+            </a:r>
+            <a:r>
+              <a:rPr/>
+              <a:t> </a:t>
+            </a:r>
+            <a:r>
+              <a:rPr/>
+              <a:t>of</a:t>
+            </a:r>
+            <a:r>
+              <a:rPr/>
+              <a:t> </a:t>
+            </a:r>
+            <a:r>
+              <a:rPr/>
+              <a:t>taxfilers</a:t>
+            </a:r>
+            <a:r>
+              <a:rPr/>
+              <a:t> </a:t>
+            </a:r>
+            <a:r>
+              <a:rPr/>
+              <a:t>from</a:t>
+            </a:r>
+            <a:r>
+              <a:rPr/>
+              <a:t> </a:t>
+            </a:r>
+            <a:r>
+              <a:rPr/>
+              <a:t>2019-20</a:t>
+            </a:r>
+            <a:r>
+              <a:rPr/>
+              <a:t> </a:t>
+            </a:r>
+            <a:r>
+              <a:rPr/>
+              <a:t>to</a:t>
+            </a:r>
+            <a:r>
+              <a:rPr/>
+              <a:t> </a:t>
+            </a:r>
+            <a:r>
+              <a:rPr/>
+              <a:t>2020-21.</a:t>
+            </a:r>
+            <a:r>
+              <a:rPr/>
+              <a:t> </a:t>
+            </a:r>
+            <a:r>
+              <a:rPr/>
+              <a:t>SG</a:t>
+            </a:r>
+            <a:r>
+              <a:rPr/>
+              <a:t> </a:t>
+            </a:r>
+            <a:r>
+              <a:rPr/>
+              <a:t>=</a:t>
+            </a:r>
+            <a:r>
+              <a:rPr/>
+              <a:t> </a:t>
+            </a:r>
+            <a:r>
+              <a:rPr/>
+              <a:t>super</a:t>
+            </a:r>
+            <a:r>
+              <a:rPr/>
+              <a:t> </a:t>
+            </a:r>
+            <a:r>
+              <a:rPr/>
+              <a:t>guarantee</a:t>
+            </a:r>
+            <a:r>
+              <a:rPr/>
+              <a:t> </a:t>
+            </a:r>
+            <a:r>
+              <a:rPr/>
+              <a:t>contributions,</a:t>
+            </a:r>
+            <a:r>
+              <a:rPr/>
+              <a:t> </a:t>
+            </a:r>
+            <a:r>
+              <a:rPr/>
+              <a:t>assumed</a:t>
+            </a:r>
+            <a:r>
+              <a:rPr/>
+              <a:t> </a:t>
+            </a:r>
+            <a:r>
+              <a:rPr/>
+              <a:t>to</a:t>
+            </a:r>
+            <a:r>
+              <a:rPr/>
+              <a:t> </a:t>
+            </a:r>
+            <a:r>
+              <a:rPr/>
+              <a:t>be</a:t>
+            </a:r>
+            <a:r>
+              <a:rPr/>
+              <a:t> </a:t>
+            </a:r>
+            <a:r>
+              <a:rPr/>
+              <a:t>employer</a:t>
+            </a:r>
+            <a:r>
+              <a:rPr/>
+              <a:t> </a:t>
+            </a:r>
+            <a:r>
+              <a:rPr/>
+              <a:t>contributions</a:t>
+            </a:r>
+            <a:r>
+              <a:rPr/>
+              <a:t> </a:t>
+            </a:r>
+            <a:r>
+              <a:rPr/>
+              <a:t>less</a:t>
+            </a:r>
+            <a:r>
+              <a:rPr/>
+              <a:t> </a:t>
+            </a:r>
+            <a:r>
+              <a:rPr/>
+              <a:t>reportable</a:t>
+            </a:r>
+            <a:r>
+              <a:rPr/>
+              <a:t> </a:t>
+            </a:r>
+            <a:r>
+              <a:rPr/>
+              <a:t>employer</a:t>
+            </a:r>
+            <a:r>
+              <a:rPr/>
+              <a:t> </a:t>
+            </a:r>
+            <a:r>
+              <a:rPr/>
+              <a:t>super</a:t>
+            </a:r>
+            <a:r>
+              <a:rPr/>
+              <a:t> </a:t>
+            </a:r>
+            <a:r>
+              <a:rPr/>
+              <a:t>contributions;</a:t>
+            </a:r>
+            <a:r>
+              <a:rPr/>
+              <a:t> </a:t>
+            </a:r>
+            <a:r>
+              <a:rPr/>
+              <a:t>salary-sacrifice</a:t>
+            </a:r>
+            <a:r>
+              <a:rPr/>
+              <a:t> </a:t>
+            </a:r>
+            <a:r>
+              <a:rPr/>
+              <a:t>=</a:t>
+            </a:r>
+            <a:r>
+              <a:rPr/>
+              <a:t> </a:t>
+            </a:r>
+            <a:r>
+              <a:rPr/>
+              <a:t>reportable</a:t>
+            </a:r>
+            <a:r>
+              <a:rPr/>
+              <a:t> </a:t>
+            </a:r>
+            <a:r>
+              <a:rPr/>
+              <a:t>employer</a:t>
+            </a:r>
+            <a:r>
+              <a:rPr/>
+              <a:t> </a:t>
+            </a:r>
+            <a:r>
+              <a:rPr/>
+              <a:t>super</a:t>
+            </a:r>
+            <a:r>
+              <a:rPr/>
+              <a:t> </a:t>
+            </a:r>
+            <a:r>
+              <a:rPr/>
+              <a:t>contributions;</a:t>
+            </a:r>
+            <a:r>
+              <a:rPr/>
+              <a:t> </a:t>
+            </a:r>
+            <a:r>
+              <a:rPr/>
+              <a:t>personal-deductible</a:t>
+            </a:r>
+            <a:r>
+              <a:rPr/>
+              <a:t> </a:t>
+            </a:r>
+            <a:r>
+              <a:rPr/>
+              <a:t>=</a:t>
+            </a:r>
+            <a:r>
+              <a:rPr/>
+              <a:t> </a:t>
+            </a:r>
+            <a:r>
+              <a:rPr/>
+              <a:t>non-employer</a:t>
+            </a:r>
+            <a:r>
+              <a:rPr/>
+              <a:t> </a:t>
+            </a:r>
+            <a:r>
+              <a:rPr/>
+              <a:t>superannuation</a:t>
+            </a:r>
+            <a:r>
+              <a:rPr/>
+              <a:t> </a:t>
+            </a:r>
+            <a:r>
+              <a:rPr/>
+              <a:t>contributions;</a:t>
+            </a:r>
+            <a:r>
+              <a:rPr/>
+              <a:t> </a:t>
+            </a:r>
+            <a:r>
+              <a:rPr/>
+              <a:t>non-concessional</a:t>
+            </a:r>
+            <a:r>
+              <a:rPr/>
+              <a:t> </a:t>
+            </a:r>
+            <a:r>
+              <a:rPr/>
+              <a:t>=</a:t>
+            </a:r>
+            <a:r>
+              <a:rPr/>
+              <a:t> </a:t>
+            </a:r>
+            <a:r>
+              <a:rPr/>
+              <a:t>nonnegative</a:t>
+            </a:r>
+            <a:r>
+              <a:rPr/>
+              <a:t> </a:t>
+            </a:r>
+            <a:r>
+              <a:rPr/>
+              <a:t>component</a:t>
+            </a:r>
+            <a:r>
+              <a:rPr/>
+              <a:t> </a:t>
+            </a:r>
+            <a:r>
+              <a:rPr/>
+              <a:t>of</a:t>
+            </a:r>
+            <a:r>
+              <a:rPr/>
+              <a:t> </a:t>
+            </a:r>
+            <a:r>
+              <a:rPr/>
+              <a:t>personal</a:t>
+            </a:r>
+            <a:r>
+              <a:rPr/>
+              <a:t> </a:t>
+            </a:r>
+            <a:r>
+              <a:rPr/>
+              <a:t>contributions</a:t>
+            </a:r>
+            <a:r>
+              <a:rPr/>
+              <a:t> </a:t>
+            </a:r>
+            <a:r>
+              <a:rPr/>
+              <a:t>less</a:t>
+            </a:r>
+            <a:r>
+              <a:rPr/>
+              <a:t> </a:t>
+            </a:r>
+            <a:r>
+              <a:rPr/>
+              <a:t>non-employer</a:t>
+            </a:r>
+            <a:r>
+              <a:rPr/>
+              <a:t> </a:t>
+            </a:r>
+            <a:r>
+              <a:rPr/>
+              <a:t>super</a:t>
+            </a:r>
+            <a:r>
+              <a:rPr/>
+              <a:t> </a:t>
+            </a:r>
+            <a:r>
+              <a:rPr/>
+              <a:t>contributions.</a:t>
+            </a:r>
+            <a:r>
+              <a:rPr/>
+              <a:t> </a:t>
+            </a:r>
+            <a:r>
+              <a:rPr/>
+              <a:t>Source:</a:t>
+            </a:r>
+            <a:r>
+              <a:rPr/>
+              <a:t> </a:t>
+            </a:r>
+            <a:r>
+              <a:rPr/>
+              <a:t>ATO</a:t>
+            </a:r>
+            <a:r>
+              <a:rPr/>
+              <a:t> </a:t>
+            </a:r>
+            <a:r>
+              <a:rPr/>
+              <a:t>2017-18</a:t>
+            </a:r>
+            <a:r>
+              <a:rPr/>
+              <a:t> </a:t>
+            </a:r>
+            <a:r>
+              <a:rPr/>
+              <a:t>2%</a:t>
+            </a:r>
+            <a:r>
+              <a:rPr/>
+              <a:t> </a:t>
+            </a:r>
+            <a:r>
+              <a:rPr/>
+              <a:t>sample</a:t>
+            </a:r>
+            <a:r>
+              <a:rPr/>
+              <a:t> </a:t>
+            </a:r>
+            <a:r>
+              <a:rPr/>
+              <a:t>file</a:t>
             </a:r>
           </a:p>
           <a:p>
@@ -3937,7 +4599,7 @@
           <a:p>
             <a:r>
               <a:rPr/>
-              <a:t> </a:t>
+              <a:t>Those on high incomes make larger voluntary contributions, increasing the value of contributions tax breaks</a:t>
             </a:r>
           </a:p>
         </p:txBody>
@@ -3964,7 +4626,7 @@
           <a:p>
             <a:r>
               <a:rPr/>
-              <a:t> </a:t>
+              <a:t>Average superannuation contributions (2020-21)</a:t>
             </a:r>
           </a:p>
         </p:txBody>
@@ -4053,7 +4715,7 @@
           <p:spPr>
             <a:xfrm>
               <a:off x="1009845" y="1322639"/>
-              <a:ext cx="7930826" cy="4597271"/>
+              <a:ext cx="7930826" cy="3741873"/>
             </a:xfrm>
             <a:prstGeom prst="rect">
               <a:avLst/>
@@ -4078,7 +4740,7 @@
           </p:nvSpPr>
           <p:spPr>
             <a:xfrm>
-              <a:off x="1009845" y="5919911"/>
+              <a:off x="1009845" y="5064513"/>
               <a:ext cx="7930826" cy="0"/>
             </a:xfrm>
             <a:custGeom>
@@ -4121,7 +4783,7 @@
           </p:nvSpPr>
           <p:spPr>
             <a:xfrm>
-              <a:off x="1009845" y="4972634"/>
+              <a:off x="1009845" y="4293492"/>
               <a:ext cx="7930826" cy="0"/>
             </a:xfrm>
             <a:custGeom>
@@ -4164,7 +4826,7 @@
           </p:nvSpPr>
           <p:spPr>
             <a:xfrm>
-              <a:off x="1009845" y="4025357"/>
+              <a:off x="1009845" y="3522471"/>
               <a:ext cx="7930826" cy="0"/>
             </a:xfrm>
             <a:custGeom>
@@ -4207,7 +4869,7 @@
           </p:nvSpPr>
           <p:spPr>
             <a:xfrm>
-              <a:off x="1009845" y="3078079"/>
+              <a:off x="1009845" y="2751451"/>
               <a:ext cx="7930826" cy="0"/>
             </a:xfrm>
             <a:custGeom>
@@ -4250,7 +4912,7 @@
           </p:nvSpPr>
           <p:spPr>
             <a:xfrm>
-              <a:off x="1009845" y="2130802"/>
+              <a:off x="1009845" y="1980430"/>
               <a:ext cx="7930826" cy="0"/>
             </a:xfrm>
             <a:custGeom>
@@ -4293,8 +4955,8 @@
           </p:nvSpPr>
           <p:spPr>
             <a:xfrm>
-              <a:off x="1238619" y="5843486"/>
-              <a:ext cx="1372643" cy="76424"/>
+              <a:off x="1238619" y="5002308"/>
+              <a:ext cx="1372643" cy="62204"/>
             </a:xfrm>
             <a:prstGeom prst="rect">
               <a:avLst/>
@@ -4328,8 +4990,8 @@
           </p:nvSpPr>
           <p:spPr>
             <a:xfrm>
-              <a:off x="1238619" y="5828863"/>
-              <a:ext cx="1372643" cy="14623"/>
+              <a:off x="1238619" y="4990405"/>
+              <a:ext cx="1372643" cy="11902"/>
             </a:xfrm>
             <a:prstGeom prst="rect">
               <a:avLst/>
@@ -4363,8 +5025,8 @@
           </p:nvSpPr>
           <p:spPr>
             <a:xfrm>
-              <a:off x="1238619" y="5812445"/>
-              <a:ext cx="1372643" cy="16417"/>
+              <a:off x="1238619" y="4977042"/>
+              <a:ext cx="1372643" cy="13362"/>
             </a:xfrm>
             <a:prstGeom prst="rect">
               <a:avLst/>
@@ -4398,8 +5060,8 @@
           </p:nvSpPr>
           <p:spPr>
             <a:xfrm>
-              <a:off x="1238619" y="5536872"/>
-              <a:ext cx="1372643" cy="275572"/>
+              <a:off x="1238619" y="4752745"/>
+              <a:ext cx="1372643" cy="224297"/>
             </a:xfrm>
             <a:prstGeom prst="rect">
               <a:avLst/>
@@ -4433,8 +5095,8 @@
           </p:nvSpPr>
           <p:spPr>
             <a:xfrm>
-              <a:off x="2763778" y="5605523"/>
-              <a:ext cx="1372643" cy="314387"/>
+              <a:off x="2763778" y="4808622"/>
+              <a:ext cx="1372643" cy="255890"/>
             </a:xfrm>
             <a:prstGeom prst="rect">
               <a:avLst/>
@@ -4468,8 +5130,8 @@
           </p:nvSpPr>
           <p:spPr>
             <a:xfrm>
-              <a:off x="2763778" y="5549889"/>
-              <a:ext cx="1372643" cy="55634"/>
+              <a:off x="2763778" y="4763340"/>
+              <a:ext cx="1372643" cy="45282"/>
             </a:xfrm>
             <a:prstGeom prst="rect">
               <a:avLst/>
@@ -4503,8 +5165,8 @@
           </p:nvSpPr>
           <p:spPr>
             <a:xfrm>
-              <a:off x="2763778" y="5502888"/>
-              <a:ext cx="1372643" cy="47000"/>
+              <a:off x="2763778" y="4725084"/>
+              <a:ext cx="1372643" cy="38255"/>
             </a:xfrm>
             <a:prstGeom prst="rect">
               <a:avLst/>
@@ -4538,8 +5200,8 @@
           </p:nvSpPr>
           <p:spPr>
             <a:xfrm>
-              <a:off x="2763778" y="5215484"/>
-              <a:ext cx="1372643" cy="287404"/>
+              <a:off x="2763778" y="4491156"/>
+              <a:ext cx="1372643" cy="233927"/>
             </a:xfrm>
             <a:prstGeom prst="rect">
               <a:avLst/>
@@ -4573,8 +5235,8 @@
           </p:nvSpPr>
           <p:spPr>
             <a:xfrm>
-              <a:off x="4288937" y="5009981"/>
-              <a:ext cx="1372643" cy="909929"/>
+              <a:off x="4288937" y="4323890"/>
+              <a:ext cx="1372643" cy="740622"/>
             </a:xfrm>
             <a:prstGeom prst="rect">
               <a:avLst/>
@@ -4608,8 +5270,8 @@
           </p:nvSpPr>
           <p:spPr>
             <a:xfrm>
-              <a:off x="4288937" y="4856656"/>
-              <a:ext cx="1372643" cy="153325"/>
+              <a:off x="4288937" y="4199094"/>
+              <a:ext cx="1372643" cy="124796"/>
             </a:xfrm>
             <a:prstGeom prst="rect">
               <a:avLst/>
@@ -4643,8 +5305,8 @@
           </p:nvSpPr>
           <p:spPr>
             <a:xfrm>
-              <a:off x="4288937" y="4792885"/>
-              <a:ext cx="1372643" cy="63770"/>
+              <a:off x="4288937" y="4147189"/>
+              <a:ext cx="1372643" cy="51904"/>
             </a:xfrm>
             <a:prstGeom prst="rect">
               <a:avLst/>
@@ -4678,8 +5340,8 @@
           </p:nvSpPr>
           <p:spPr>
             <a:xfrm>
-              <a:off x="4288937" y="4574337"/>
-              <a:ext cx="1372643" cy="218548"/>
+              <a:off x="4288937" y="3969305"/>
+              <a:ext cx="1372643" cy="177883"/>
             </a:xfrm>
             <a:prstGeom prst="rect">
               <a:avLst/>
@@ -4713,8 +5375,8 @@
           </p:nvSpPr>
           <p:spPr>
             <a:xfrm>
-              <a:off x="5814096" y="4163332"/>
-              <a:ext cx="1372643" cy="1756579"/>
+              <a:off x="5814096" y="3634774"/>
+              <a:ext cx="1372643" cy="1429738"/>
             </a:xfrm>
             <a:prstGeom prst="rect">
               <a:avLst/>
@@ -4748,8 +5410,8 @@
           </p:nvSpPr>
           <p:spPr>
             <a:xfrm>
-              <a:off x="5814096" y="3794457"/>
-              <a:ext cx="1372643" cy="368875"/>
+              <a:off x="5814096" y="3334534"/>
+              <a:ext cx="1372643" cy="300239"/>
             </a:xfrm>
             <a:prstGeom prst="rect">
               <a:avLst/>
@@ -4783,8 +5445,8 @@
           </p:nvSpPr>
           <p:spPr>
             <a:xfrm>
-              <a:off x="5814096" y="3684949"/>
-              <a:ext cx="1372643" cy="109507"/>
+              <a:off x="5814096" y="3245403"/>
+              <a:ext cx="1372643" cy="89131"/>
             </a:xfrm>
             <a:prstGeom prst="rect">
               <a:avLst/>
@@ -4818,8 +5480,8 @@
           </p:nvSpPr>
           <p:spPr>
             <a:xfrm>
-              <a:off x="5814096" y="3335510"/>
-              <a:ext cx="1372643" cy="349439"/>
+              <a:off x="5814096" y="2960982"/>
+              <a:ext cx="1372643" cy="284420"/>
             </a:xfrm>
             <a:prstGeom prst="rect">
               <a:avLst/>
@@ -4853,8 +5515,8 @@
           </p:nvSpPr>
           <p:spPr>
             <a:xfrm>
-              <a:off x="7339255" y="3141439"/>
-              <a:ext cx="1372643" cy="2778471"/>
+              <a:off x="7339255" y="2803022"/>
+              <a:ext cx="1372643" cy="2261490"/>
             </a:xfrm>
             <a:prstGeom prst="rect">
               <a:avLst/>
@@ -4888,8 +5550,8 @@
           </p:nvSpPr>
           <p:spPr>
             <a:xfrm>
-              <a:off x="7339255" y="2664996"/>
-              <a:ext cx="1372643" cy="476443"/>
+              <a:off x="7339255" y="2415228"/>
+              <a:ext cx="1372643" cy="387793"/>
             </a:xfrm>
             <a:prstGeom prst="rect">
               <a:avLst/>
@@ -4923,8 +5585,8 @@
           </p:nvSpPr>
           <p:spPr>
             <a:xfrm>
-              <a:off x="7339255" y="2312343"/>
-              <a:ext cx="1372643" cy="352652"/>
+              <a:off x="7339255" y="2128193"/>
+              <a:ext cx="1372643" cy="287035"/>
             </a:xfrm>
             <a:prstGeom prst="rect">
               <a:avLst/>
@@ -4958,8 +5620,8 @@
           </p:nvSpPr>
           <p:spPr>
             <a:xfrm>
-              <a:off x="7339255" y="1390579"/>
-              <a:ext cx="1372643" cy="921763"/>
+              <a:off x="7339255" y="1377938"/>
+              <a:ext cx="1372643" cy="750254"/>
             </a:xfrm>
             <a:prstGeom prst="rect">
               <a:avLst/>
@@ -4993,7 +5655,7 @@
           </p:nvSpPr>
           <p:spPr>
             <a:xfrm>
-              <a:off x="653086" y="5799472"/>
+              <a:off x="653086" y="4944073"/>
               <a:ext cx="254272" cy="202257"/>
             </a:xfrm>
             <a:prstGeom prst="rect">
@@ -5039,7 +5701,7 @@
           </p:nvSpPr>
           <p:spPr>
             <a:xfrm>
-              <a:off x="208165" y="4843377"/>
+              <a:off x="208165" y="4164235"/>
               <a:ext cx="699194" cy="211075"/>
             </a:xfrm>
             <a:prstGeom prst="rect">
@@ -5085,7 +5747,7 @@
           </p:nvSpPr>
           <p:spPr>
             <a:xfrm>
-              <a:off x="81028" y="3896099"/>
+              <a:off x="81028" y="3393214"/>
               <a:ext cx="826330" cy="211075"/>
             </a:xfrm>
             <a:prstGeom prst="rect">
@@ -5131,7 +5793,7 @@
           </p:nvSpPr>
           <p:spPr>
             <a:xfrm>
-              <a:off x="81028" y="2948822"/>
+              <a:off x="81028" y="2622194"/>
               <a:ext cx="826330" cy="211075"/>
             </a:xfrm>
             <a:prstGeom prst="rect">
@@ -5177,7 +5839,7 @@
           </p:nvSpPr>
           <p:spPr>
             <a:xfrm>
-              <a:off x="81028" y="2001545"/>
+              <a:off x="81028" y="1851173"/>
               <a:ext cx="826330" cy="211075"/>
             </a:xfrm>
             <a:prstGeom prst="rect">
@@ -5223,7 +5885,7 @@
           </p:nvSpPr>
           <p:spPr>
             <a:xfrm>
-              <a:off x="1009845" y="5919911"/>
+              <a:off x="1009845" y="5064513"/>
               <a:ext cx="7930826" cy="0"/>
             </a:xfrm>
             <a:custGeom>
@@ -5263,7 +5925,7 @@
           </p:nvSpPr>
           <p:spPr>
             <a:xfrm>
-              <a:off x="1924940" y="5919911"/>
+              <a:off x="1924940" y="5064513"/>
               <a:ext cx="0" cy="56936"/>
             </a:xfrm>
             <a:custGeom>
@@ -5303,7 +5965,7 @@
           </p:nvSpPr>
           <p:spPr>
             <a:xfrm>
-              <a:off x="3450099" y="5919911"/>
+              <a:off x="3450099" y="5064513"/>
               <a:ext cx="0" cy="56936"/>
             </a:xfrm>
             <a:custGeom>
@@ -5343,7 +6005,7 @@
           </p:nvSpPr>
           <p:spPr>
             <a:xfrm>
-              <a:off x="4975258" y="5919911"/>
+              <a:off x="4975258" y="5064513"/>
               <a:ext cx="0" cy="56936"/>
             </a:xfrm>
             <a:custGeom>
@@ -5383,7 +6045,7 @@
           </p:nvSpPr>
           <p:spPr>
             <a:xfrm>
-              <a:off x="6500417" y="5919911"/>
+              <a:off x="6500417" y="5064513"/>
               <a:ext cx="0" cy="56936"/>
             </a:xfrm>
             <a:custGeom>
@@ -5423,7 +6085,7 @@
           </p:nvSpPr>
           <p:spPr>
             <a:xfrm>
-              <a:off x="8025576" y="5919911"/>
+              <a:off x="8025576" y="5064513"/>
               <a:ext cx="0" cy="56936"/>
             </a:xfrm>
             <a:custGeom>
@@ -5463,7 +6125,7 @@
           </p:nvSpPr>
           <p:spPr>
             <a:xfrm>
-              <a:off x="1429287" y="6019718"/>
+              <a:off x="1429287" y="5164319"/>
               <a:ext cx="991306" cy="166315"/>
             </a:xfrm>
             <a:prstGeom prst="rect">
@@ -5509,7 +6171,7 @@
           </p:nvSpPr>
           <p:spPr>
             <a:xfrm>
-              <a:off x="1511775" y="6221846"/>
+              <a:off x="1511775" y="5366447"/>
               <a:ext cx="826330" cy="211075"/>
             </a:xfrm>
             <a:prstGeom prst="rect">
@@ -5555,7 +6217,7 @@
           </p:nvSpPr>
           <p:spPr>
             <a:xfrm>
-              <a:off x="2522193" y="5974958"/>
+              <a:off x="2522193" y="5119559"/>
               <a:ext cx="1855812" cy="211075"/>
             </a:xfrm>
             <a:prstGeom prst="rect">
@@ -5601,7 +6263,7 @@
           </p:nvSpPr>
           <p:spPr>
             <a:xfrm>
-              <a:off x="4047352" y="5974958"/>
+              <a:off x="4047352" y="5119559"/>
               <a:ext cx="1855812" cy="211075"/>
             </a:xfrm>
             <a:prstGeom prst="rect">
@@ -5647,7 +6309,7 @@
           </p:nvSpPr>
           <p:spPr>
             <a:xfrm>
-              <a:off x="5508943" y="5974958"/>
+              <a:off x="5508943" y="5119559"/>
               <a:ext cx="1982948" cy="211075"/>
             </a:xfrm>
             <a:prstGeom prst="rect">
@@ -5693,7 +6355,7 @@
           </p:nvSpPr>
           <p:spPr>
             <a:xfrm>
-              <a:off x="7545661" y="5989357"/>
+              <a:off x="7545661" y="5133958"/>
               <a:ext cx="959829" cy="196676"/>
             </a:xfrm>
             <a:prstGeom prst="rect">
@@ -5739,8 +6401,8 @@
           </p:nvSpPr>
           <p:spPr>
             <a:xfrm>
-              <a:off x="4397228" y="6535287"/>
-              <a:ext cx="1156059" cy="166315"/>
+              <a:off x="3761825" y="5679889"/>
+              <a:ext cx="2426865" cy="166315"/>
             </a:xfrm>
             <a:prstGeom prst="rect">
               <a:avLst/>
@@ -5772,7 +6434,691 @@
                   <a:latin typeface="Arial"/>
                   <a:cs typeface="Arial"/>
                 </a:rPr>
-                <a:t>TaxBracket</a:t>
+                <a:t>Taxable income bracket</a:t>
+              </a:r>
+            </a:p>
+          </p:txBody>
+        </p:sp>
+        <p:sp>
+          <p:nvSpPr>
+            <p:cNvPr id="51" name="rc49"/>
+            <p:cNvSpPr/>
+            <p:nvPr/>
+          </p:nvSpPr>
+          <p:spPr>
+            <a:xfrm>
+              <a:off x="1009845" y="1322639"/>
+              <a:ext cx="2348916" cy="960853"/>
+            </a:xfrm>
+            <a:prstGeom prst="rect">
+              <a:avLst/>
+            </a:prstGeom>
+            <a:solidFill>
+              <a:srgbClr val="FFFFFF">
+                <a:alpha val="100000"/>
+              </a:srgbClr>
+            </a:solidFill>
+          </p:spPr>
+          <p:txBody>
+            <a:bodyPr/>
+            <a:lstStyle/>
+            <a:p/>
+          </p:txBody>
+        </p:sp>
+        <p:sp>
+          <p:nvSpPr>
+            <p:cNvPr id="52" name="rc50"/>
+            <p:cNvSpPr/>
+            <p:nvPr/>
+          </p:nvSpPr>
+          <p:spPr>
+            <a:xfrm>
+              <a:off x="1009845" y="1436512"/>
+              <a:ext cx="182880" cy="211745"/>
+            </a:xfrm>
+            <a:prstGeom prst="rect">
+              <a:avLst/>
+            </a:prstGeom>
+            <a:solidFill>
+              <a:srgbClr val="FFFFFF">
+                <a:alpha val="100000"/>
+              </a:srgbClr>
+            </a:solidFill>
+          </p:spPr>
+          <p:txBody>
+            <a:bodyPr/>
+            <a:lstStyle/>
+            <a:p/>
+          </p:txBody>
+        </p:sp>
+        <p:sp>
+          <p:nvSpPr>
+            <p:cNvPr id="53" name="rc51"/>
+            <p:cNvSpPr/>
+            <p:nvPr/>
+          </p:nvSpPr>
+          <p:spPr>
+            <a:xfrm>
+              <a:off x="1014590" y="1441257"/>
+              <a:ext cx="173390" cy="202255"/>
+            </a:xfrm>
+            <a:prstGeom prst="rect">
+              <a:avLst/>
+            </a:prstGeom>
+            <a:solidFill>
+              <a:srgbClr val="FFC35A">
+                <a:alpha val="100000"/>
+              </a:srgbClr>
+            </a:solidFill>
+            <a:ln w="7143" cap="sq">
+              <a:solidFill>
+                <a:srgbClr val="FFFFFF">
+                  <a:alpha val="100000"/>
+                </a:srgbClr>
+              </a:solidFill>
+              <a:prstDash val="solid"/>
+              <a:miter/>
+            </a:ln>
+          </p:spPr>
+          <p:txBody>
+            <a:bodyPr/>
+            <a:lstStyle/>
+            <a:p/>
+          </p:txBody>
+        </p:sp>
+        <p:sp>
+          <p:nvSpPr>
+            <p:cNvPr id="54" name="rc52"/>
+            <p:cNvSpPr/>
+            <p:nvPr/>
+          </p:nvSpPr>
+          <p:spPr>
+            <a:xfrm>
+              <a:off x="1009845" y="1648258"/>
+              <a:ext cx="182880" cy="211745"/>
+            </a:xfrm>
+            <a:prstGeom prst="rect">
+              <a:avLst/>
+            </a:prstGeom>
+            <a:solidFill>
+              <a:srgbClr val="FFFFFF">
+                <a:alpha val="100000"/>
+              </a:srgbClr>
+            </a:solidFill>
+          </p:spPr>
+          <p:txBody>
+            <a:bodyPr/>
+            <a:lstStyle/>
+            <a:p/>
+          </p:txBody>
+        </p:sp>
+        <p:sp>
+          <p:nvSpPr>
+            <p:cNvPr id="55" name="rc53"/>
+            <p:cNvSpPr/>
+            <p:nvPr/>
+          </p:nvSpPr>
+          <p:spPr>
+            <a:xfrm>
+              <a:off x="1014590" y="1653002"/>
+              <a:ext cx="173390" cy="202255"/>
+            </a:xfrm>
+            <a:prstGeom prst="rect">
+              <a:avLst/>
+            </a:prstGeom>
+            <a:solidFill>
+              <a:srgbClr val="F68B33">
+                <a:alpha val="100000"/>
+              </a:srgbClr>
+            </a:solidFill>
+            <a:ln w="7143" cap="sq">
+              <a:solidFill>
+                <a:srgbClr val="FFFFFF">
+                  <a:alpha val="100000"/>
+                </a:srgbClr>
+              </a:solidFill>
+              <a:prstDash val="solid"/>
+              <a:miter/>
+            </a:ln>
+          </p:spPr>
+          <p:txBody>
+            <a:bodyPr/>
+            <a:lstStyle/>
+            <a:p/>
+          </p:txBody>
+        </p:sp>
+        <p:sp>
+          <p:nvSpPr>
+            <p:cNvPr id="56" name="rc54"/>
+            <p:cNvSpPr/>
+            <p:nvPr/>
+          </p:nvSpPr>
+          <p:spPr>
+            <a:xfrm>
+              <a:off x="1009845" y="1860003"/>
+              <a:ext cx="182880" cy="211745"/>
+            </a:xfrm>
+            <a:prstGeom prst="rect">
+              <a:avLst/>
+            </a:prstGeom>
+            <a:solidFill>
+              <a:srgbClr val="FFFFFF">
+                <a:alpha val="100000"/>
+              </a:srgbClr>
+            </a:solidFill>
+          </p:spPr>
+          <p:txBody>
+            <a:bodyPr/>
+            <a:lstStyle/>
+            <a:p/>
+          </p:txBody>
+        </p:sp>
+        <p:sp>
+          <p:nvSpPr>
+            <p:cNvPr id="57" name="rc55"/>
+            <p:cNvSpPr/>
+            <p:nvPr/>
+          </p:nvSpPr>
+          <p:spPr>
+            <a:xfrm>
+              <a:off x="1014590" y="1864748"/>
+              <a:ext cx="173390" cy="202255"/>
+            </a:xfrm>
+            <a:prstGeom prst="rect">
+              <a:avLst/>
+            </a:prstGeom>
+            <a:solidFill>
+              <a:srgbClr val="D4582A">
+                <a:alpha val="100000"/>
+              </a:srgbClr>
+            </a:solidFill>
+            <a:ln w="7143" cap="sq">
+              <a:solidFill>
+                <a:srgbClr val="FFFFFF">
+                  <a:alpha val="100000"/>
+                </a:srgbClr>
+              </a:solidFill>
+              <a:prstDash val="solid"/>
+              <a:miter/>
+            </a:ln>
+          </p:spPr>
+          <p:txBody>
+            <a:bodyPr/>
+            <a:lstStyle/>
+            <a:p/>
+          </p:txBody>
+        </p:sp>
+        <p:sp>
+          <p:nvSpPr>
+            <p:cNvPr id="58" name="rc56"/>
+            <p:cNvSpPr/>
+            <p:nvPr/>
+          </p:nvSpPr>
+          <p:spPr>
+            <a:xfrm>
+              <a:off x="1009845" y="2071748"/>
+              <a:ext cx="182880" cy="211745"/>
+            </a:xfrm>
+            <a:prstGeom prst="rect">
+              <a:avLst/>
+            </a:prstGeom>
+            <a:solidFill>
+              <a:srgbClr val="FFFFFF">
+                <a:alpha val="100000"/>
+              </a:srgbClr>
+            </a:solidFill>
+          </p:spPr>
+          <p:txBody>
+            <a:bodyPr/>
+            <a:lstStyle/>
+            <a:p/>
+          </p:txBody>
+        </p:sp>
+        <p:sp>
+          <p:nvSpPr>
+            <p:cNvPr id="59" name="rc57"/>
+            <p:cNvSpPr/>
+            <p:nvPr/>
+          </p:nvSpPr>
+          <p:spPr>
+            <a:xfrm>
+              <a:off x="1014590" y="2076493"/>
+              <a:ext cx="173390" cy="202255"/>
+            </a:xfrm>
+            <a:prstGeom prst="rect">
+              <a:avLst/>
+            </a:prstGeom>
+            <a:solidFill>
+              <a:srgbClr val="A02226">
+                <a:alpha val="100000"/>
+              </a:srgbClr>
+            </a:solidFill>
+            <a:ln w="7143" cap="sq">
+              <a:solidFill>
+                <a:srgbClr val="FFFFFF">
+                  <a:alpha val="100000"/>
+                </a:srgbClr>
+              </a:solidFill>
+              <a:prstDash val="solid"/>
+              <a:miter/>
+            </a:ln>
+          </p:spPr>
+          <p:txBody>
+            <a:bodyPr/>
+            <a:lstStyle/>
+            <a:p/>
+          </p:txBody>
+        </p:sp>
+        <p:sp>
+          <p:nvSpPr>
+            <p:cNvPr id="60" name="tx58"/>
+            <p:cNvSpPr/>
+            <p:nvPr/>
+          </p:nvSpPr>
+          <p:spPr>
+            <a:xfrm>
+              <a:off x="1306598" y="1457888"/>
+              <a:ext cx="1779128" cy="166315"/>
+            </a:xfrm>
+            <a:prstGeom prst="rect">
+              <a:avLst/>
+            </a:prstGeom>
+            <a:noFill/>
+          </p:spPr>
+          <p:txBody>
+            <a:bodyPr lIns="0" rIns="0" tIns="0" bIns="0" anchorCtr="1" anchor="ctr" wrap="none"/>
+            <a:lstStyle/>
+            <a:p>
+              <a:pPr algn="l" marL="0" marR="0" indent="0">
+                <a:lnSpc>
+                  <a:spcPts val="1800"/>
+                </a:lnSpc>
+                <a:spcBef>
+                  <a:spcPts val="0"/>
+                </a:spcBef>
+                <a:spcAft>
+                  <a:spcPts val="0"/>
+                </a:spcAft>
+              </a:pPr>
+              <a:r>
+                <a:rPr sz="1800">
+                  <a:solidFill>
+                    <a:srgbClr val="000000">
+                      <a:alpha val="100000"/>
+                    </a:srgbClr>
+                  </a:solidFill>
+                  <a:latin typeface="Arial"/>
+                  <a:cs typeface="Arial"/>
+                </a:rPr>
+                <a:t>non-concessional</a:t>
+              </a:r>
+            </a:p>
+          </p:txBody>
+        </p:sp>
+        <p:sp>
+          <p:nvSpPr>
+            <p:cNvPr id="61" name="tx59"/>
+            <p:cNvSpPr/>
+            <p:nvPr/>
+          </p:nvSpPr>
+          <p:spPr>
+            <a:xfrm>
+              <a:off x="1306598" y="1626882"/>
+              <a:ext cx="1995227" cy="209066"/>
+            </a:xfrm>
+            <a:prstGeom prst="rect">
+              <a:avLst/>
+            </a:prstGeom>
+            <a:noFill/>
+          </p:spPr>
+          <p:txBody>
+            <a:bodyPr lIns="0" rIns="0" tIns="0" bIns="0" anchorCtr="1" anchor="ctr" wrap="none"/>
+            <a:lstStyle/>
+            <a:p>
+              <a:pPr algn="l" marL="0" marR="0" indent="0">
+                <a:lnSpc>
+                  <a:spcPts val="1800"/>
+                </a:lnSpc>
+                <a:spcBef>
+                  <a:spcPts val="0"/>
+                </a:spcBef>
+                <a:spcAft>
+                  <a:spcPts val="0"/>
+                </a:spcAft>
+              </a:pPr>
+              <a:r>
+                <a:rPr sz="1800">
+                  <a:solidFill>
+                    <a:srgbClr val="000000">
+                      <a:alpha val="100000"/>
+                    </a:srgbClr>
+                  </a:solidFill>
+                  <a:latin typeface="Arial"/>
+                  <a:cs typeface="Arial"/>
+                </a:rPr>
+                <a:t>personal-deductible</a:t>
+              </a:r>
+            </a:p>
+          </p:txBody>
+        </p:sp>
+        <p:sp>
+          <p:nvSpPr>
+            <p:cNvPr id="62" name="tx60"/>
+            <p:cNvSpPr/>
+            <p:nvPr/>
+          </p:nvSpPr>
+          <p:spPr>
+            <a:xfrm>
+              <a:off x="1306598" y="1833158"/>
+              <a:ext cx="1524297" cy="214535"/>
+            </a:xfrm>
+            <a:prstGeom prst="rect">
+              <a:avLst/>
+            </a:prstGeom>
+            <a:noFill/>
+          </p:spPr>
+          <p:txBody>
+            <a:bodyPr lIns="0" rIns="0" tIns="0" bIns="0" anchorCtr="1" anchor="ctr" wrap="none"/>
+            <a:lstStyle/>
+            <a:p>
+              <a:pPr algn="l" marL="0" marR="0" indent="0">
+                <a:lnSpc>
+                  <a:spcPts val="1800"/>
+                </a:lnSpc>
+                <a:spcBef>
+                  <a:spcPts val="0"/>
+                </a:spcBef>
+                <a:spcAft>
+                  <a:spcPts val="0"/>
+                </a:spcAft>
+              </a:pPr>
+              <a:r>
+                <a:rPr sz="1800">
+                  <a:solidFill>
+                    <a:srgbClr val="000000">
+                      <a:alpha val="100000"/>
+                    </a:srgbClr>
+                  </a:solidFill>
+                  <a:latin typeface="Arial"/>
+                  <a:cs typeface="Arial"/>
+                </a:rPr>
+                <a:t>salary-sacrifice</a:t>
+              </a:r>
+            </a:p>
+          </p:txBody>
+        </p:sp>
+        <p:sp>
+          <p:nvSpPr>
+            <p:cNvPr id="63" name="tx61"/>
+            <p:cNvSpPr/>
+            <p:nvPr/>
+          </p:nvSpPr>
+          <p:spPr>
+            <a:xfrm>
+              <a:off x="1306598" y="2090221"/>
+              <a:ext cx="330286" cy="169217"/>
+            </a:xfrm>
+            <a:prstGeom prst="rect">
+              <a:avLst/>
+            </a:prstGeom>
+            <a:noFill/>
+          </p:spPr>
+          <p:txBody>
+            <a:bodyPr lIns="0" rIns="0" tIns="0" bIns="0" anchorCtr="1" anchor="ctr" wrap="none"/>
+            <a:lstStyle/>
+            <a:p>
+              <a:pPr algn="l" marL="0" marR="0" indent="0">
+                <a:lnSpc>
+                  <a:spcPts val="1800"/>
+                </a:lnSpc>
+                <a:spcBef>
+                  <a:spcPts val="0"/>
+                </a:spcBef>
+                <a:spcAft>
+                  <a:spcPts val="0"/>
+                </a:spcAft>
+              </a:pPr>
+              <a:r>
+                <a:rPr sz="1800">
+                  <a:solidFill>
+                    <a:srgbClr val="000000">
+                      <a:alpha val="100000"/>
+                    </a:srgbClr>
+                  </a:solidFill>
+                  <a:latin typeface="Arial"/>
+                  <a:cs typeface="Arial"/>
+                </a:rPr>
+                <a:t>SG</a:t>
+              </a:r>
+            </a:p>
+          </p:txBody>
+        </p:sp>
+        <p:sp>
+          <p:nvSpPr>
+            <p:cNvPr id="64" name="tx62"/>
+            <p:cNvSpPr/>
+            <p:nvPr/>
+          </p:nvSpPr>
+          <p:spPr>
+            <a:xfrm>
+              <a:off x="81028" y="6056224"/>
+              <a:ext cx="8974344" cy="118695"/>
+            </a:xfrm>
+            <a:prstGeom prst="rect">
+              <a:avLst/>
+            </a:prstGeom>
+            <a:noFill/>
+          </p:spPr>
+          <p:txBody>
+            <a:bodyPr lIns="0" rIns="0" tIns="0" bIns="0" anchorCtr="1" anchor="ctr" wrap="none"/>
+            <a:lstStyle/>
+            <a:p>
+              <a:pPr algn="l" marL="0" marR="0" indent="0">
+                <a:lnSpc>
+                  <a:spcPts val="999"/>
+                </a:lnSpc>
+                <a:spcBef>
+                  <a:spcPts val="0"/>
+                </a:spcBef>
+                <a:spcAft>
+                  <a:spcPts val="0"/>
+                </a:spcAft>
+              </a:pPr>
+              <a:r>
+                <a:rPr sz="999" i="1">
+                  <a:solidFill>
+                    <a:srgbClr val="000000">
+                      <a:alpha val="100000"/>
+                    </a:srgbClr>
+                  </a:solidFill>
+                  <a:latin typeface="Arial"/>
+                  <a:cs typeface="Arial"/>
+                </a:rPr>
+                <a:t>Notes: Projections to 2020-21 assume 2% wage growth and 0% growth in the number of taxfilers from 2019-20 to 2020-21. SG = super guarantee contributions,</a:t>
+              </a:r>
+            </a:p>
+          </p:txBody>
+        </p:sp>
+        <p:sp>
+          <p:nvSpPr>
+            <p:cNvPr id="65" name="tx63"/>
+            <p:cNvSpPr/>
+            <p:nvPr/>
+          </p:nvSpPr>
+          <p:spPr>
+            <a:xfrm>
+              <a:off x="81028" y="6192875"/>
+              <a:ext cx="8007495" cy="119067"/>
+            </a:xfrm>
+            <a:prstGeom prst="rect">
+              <a:avLst/>
+            </a:prstGeom>
+            <a:noFill/>
+          </p:spPr>
+          <p:txBody>
+            <a:bodyPr lIns="0" rIns="0" tIns="0" bIns="0" anchorCtr="1" anchor="ctr" wrap="none"/>
+            <a:lstStyle/>
+            <a:p>
+              <a:pPr algn="l" marL="0" marR="0" indent="0">
+                <a:lnSpc>
+                  <a:spcPts val="999"/>
+                </a:lnSpc>
+                <a:spcBef>
+                  <a:spcPts val="0"/>
+                </a:spcBef>
+                <a:spcAft>
+                  <a:spcPts val="0"/>
+                </a:spcAft>
+              </a:pPr>
+              <a:r>
+                <a:rPr sz="999" i="1">
+                  <a:solidFill>
+                    <a:srgbClr val="000000">
+                      <a:alpha val="100000"/>
+                    </a:srgbClr>
+                  </a:solidFill>
+                  <a:latin typeface="Arial"/>
+                  <a:cs typeface="Arial"/>
+                </a:rPr>
+                <a:t>assumed to be employer contributions less reportable employer super contributions; salary-sacrifice = reportable employer super contributions;</a:t>
+              </a:r>
+            </a:p>
+          </p:txBody>
+        </p:sp>
+        <p:sp>
+          <p:nvSpPr>
+            <p:cNvPr id="66" name="tx64"/>
+            <p:cNvSpPr/>
+            <p:nvPr/>
+          </p:nvSpPr>
+          <p:spPr>
+            <a:xfrm>
+              <a:off x="81028" y="6329898"/>
+              <a:ext cx="8738563" cy="119067"/>
+            </a:xfrm>
+            <a:prstGeom prst="rect">
+              <a:avLst/>
+            </a:prstGeom>
+            <a:noFill/>
+          </p:spPr>
+          <p:txBody>
+            <a:bodyPr lIns="0" rIns="0" tIns="0" bIns="0" anchorCtr="1" anchor="ctr" wrap="none"/>
+            <a:lstStyle/>
+            <a:p>
+              <a:pPr algn="l" marL="0" marR="0" indent="0">
+                <a:lnSpc>
+                  <a:spcPts val="999"/>
+                </a:lnSpc>
+                <a:spcBef>
+                  <a:spcPts val="0"/>
+                </a:spcBef>
+                <a:spcAft>
+                  <a:spcPts val="0"/>
+                </a:spcAft>
+              </a:pPr>
+              <a:r>
+                <a:rPr sz="999" i="1">
+                  <a:solidFill>
+                    <a:srgbClr val="000000">
+                      <a:alpha val="100000"/>
+                    </a:srgbClr>
+                  </a:solidFill>
+                  <a:latin typeface="Arial"/>
+                  <a:cs typeface="Arial"/>
+                </a:rPr>
+                <a:t>personal-deductible = non-employer superannuation contributions; non-concessional = nonnegative component of personal contributions less non-employer</a:t>
+              </a:r>
+            </a:p>
+          </p:txBody>
+        </p:sp>
+        <p:sp>
+          <p:nvSpPr>
+            <p:cNvPr id="67" name="tx65"/>
+            <p:cNvSpPr/>
+            <p:nvPr/>
+          </p:nvSpPr>
+          <p:spPr>
+            <a:xfrm>
+              <a:off x="81028" y="6469957"/>
+              <a:ext cx="1107227" cy="116031"/>
+            </a:xfrm>
+            <a:prstGeom prst="rect">
+              <a:avLst/>
+            </a:prstGeom>
+            <a:noFill/>
+          </p:spPr>
+          <p:txBody>
+            <a:bodyPr lIns="0" rIns="0" tIns="0" bIns="0" anchorCtr="1" anchor="ctr" wrap="none"/>
+            <a:lstStyle/>
+            <a:p>
+              <a:pPr algn="l" marL="0" marR="0" indent="0">
+                <a:lnSpc>
+                  <a:spcPts val="999"/>
+                </a:lnSpc>
+                <a:spcBef>
+                  <a:spcPts val="0"/>
+                </a:spcBef>
+                <a:spcAft>
+                  <a:spcPts val="0"/>
+                </a:spcAft>
+              </a:pPr>
+              <a:r>
+                <a:rPr sz="999" i="1">
+                  <a:solidFill>
+                    <a:srgbClr val="000000">
+                      <a:alpha val="100000"/>
+                    </a:srgbClr>
+                  </a:solidFill>
+                  <a:latin typeface="Arial"/>
+                  <a:cs typeface="Arial"/>
+                </a:rPr>
+                <a:t>super contributions.</a:t>
+              </a:r>
+            </a:p>
+          </p:txBody>
+        </p:sp>
+        <p:sp>
+          <p:nvSpPr>
+            <p:cNvPr id="68" name="tx66"/>
+            <p:cNvSpPr/>
+            <p:nvPr/>
+          </p:nvSpPr>
+          <p:spPr>
+            <a:xfrm>
+              <a:off x="81028" y="6605431"/>
+              <a:ext cx="2094457" cy="117580"/>
+            </a:xfrm>
+            <a:prstGeom prst="rect">
+              <a:avLst/>
+            </a:prstGeom>
+            <a:noFill/>
+          </p:spPr>
+          <p:txBody>
+            <a:bodyPr lIns="0" rIns="0" tIns="0" bIns="0" anchorCtr="1" anchor="ctr" wrap="none"/>
+            <a:lstStyle/>
+            <a:p>
+              <a:pPr algn="l" marL="0" marR="0" indent="0">
+                <a:lnSpc>
+                  <a:spcPts val="999"/>
+                </a:lnSpc>
+                <a:spcBef>
+                  <a:spcPts val="0"/>
+                </a:spcBef>
+                <a:spcAft>
+                  <a:spcPts val="0"/>
+                </a:spcAft>
+              </a:pPr>
+              <a:r>
+                <a:rPr sz="999" i="1">
+                  <a:solidFill>
+                    <a:srgbClr val="000000">
+                      <a:alpha val="100000"/>
+                    </a:srgbClr>
+                  </a:solidFill>
+                  <a:latin typeface="Arial"/>
+                  <a:cs typeface="Arial"/>
+                </a:rPr>
+                <a:t>Source: ATO 2017-18 2% sample file</a:t>
               </a:r>
             </a:p>
           </p:txBody>
